--- a/ProjectPoster.pptx
+++ b/ProjectPoster.pptx
@@ -7721,7 +7721,7 @@
               <a:rPr lang="en-US" altLang="en-US" sz="2800" dirty="0">
                 <a:latin typeface="Arial" panose="020B0604020202020204" pitchFamily="34" charset="0"/>
               </a:rPr>
-              <a:t>The two datasets used for evaluation are Human3.6M and HumanEva. The reported error is the average error in millimeters between the ground truth and the prediction across all joints. Additionally, a standard z-score normalization is applied all 2D inputs and 3D outputs, with the 3D poses centered around the hip.</a:t>
+              <a:t>The two datasets used for evaluation are Human3.6M and HumanEva. The reported error is the average error in millimeters between the ground truth and the prediction across all joints. Additionally, a standard z-score normalization is applied to all 2D inputs and 3D outputs, with the 3D poses centered around the hip.</a:t>
             </a:r>
           </a:p>
         </p:txBody>
